--- a/docs/Programming/Tools/Debug/GDB/GDB入门和实践.pptx
+++ b/docs/Programming/Tools/Debug/GDB/GDB入门和实践.pptx
@@ -143,7 +143,7 @@
   </p:defaultTextStyle>
   <p:extLst>
     <p:ext uri="{EFAFB233-063F-42B5-8137-9DF3F51BA10A}">
-      <p15:sldGuideLst xmlns:p15="http://schemas.microsoft.com/office/powerpoint/2012/main">
+      <p15:sldGuideLst xmlns:p15="http://schemas.microsoft.com/office/powerpoint/2012/main" xmlns="">
         <p15:guide id="1" orient="horz" pos="2160">
           <p15:clr>
             <a:srgbClr val="A4A3A4"/>
@@ -3493,6 +3493,13 @@
         </dgm:presLayoutVars>
       </dgm:prSet>
       <dgm:spPr/>
+      <dgm:t>
+        <a:bodyPr/>
+        <a:lstStyle/>
+        <a:p>
+          <a:endParaRPr lang="zh-CN" altLang="en-US"/>
+        </a:p>
+      </dgm:t>
     </dgm:pt>
     <dgm:pt modelId="{04D6F249-56BE-48D4-9DEA-D280BD939F8C}" type="pres">
       <dgm:prSet presAssocID="{4F6F447C-690E-4EF3-A9AF-1F1326476D1B}" presName="boxAndChildren" presStyleCnt="0"/>
@@ -3501,6 +3508,13 @@
     <dgm:pt modelId="{5DDF9706-5D05-4F03-9787-8AC46AA59E5B}" type="pres">
       <dgm:prSet presAssocID="{4F6F447C-690E-4EF3-A9AF-1F1326476D1B}" presName="parentTextBox" presStyleLbl="node1" presStyleIdx="0" presStyleCnt="3"/>
       <dgm:spPr/>
+      <dgm:t>
+        <a:bodyPr/>
+        <a:lstStyle/>
+        <a:p>
+          <a:endParaRPr lang="zh-CN" altLang="en-US"/>
+        </a:p>
+      </dgm:t>
     </dgm:pt>
     <dgm:pt modelId="{5A6B1A2A-4C0C-4482-AF20-685C6C0ADDB4}" type="pres">
       <dgm:prSet presAssocID="{2D072DA2-D7B0-4108-8455-CBA1112BCC97}" presName="sp" presStyleCnt="0"/>
@@ -3513,6 +3527,13 @@
     <dgm:pt modelId="{DB6D54CF-E408-4157-AAEF-2228F0736485}" type="pres">
       <dgm:prSet presAssocID="{AC245159-7902-4384-A2EB-F2E8C6AFA4F0}" presName="parentTextArrow" presStyleLbl="node1" presStyleIdx="1" presStyleCnt="3"/>
       <dgm:spPr/>
+      <dgm:t>
+        <a:bodyPr/>
+        <a:lstStyle/>
+        <a:p>
+          <a:endParaRPr lang="zh-CN" altLang="en-US"/>
+        </a:p>
+      </dgm:t>
     </dgm:pt>
     <dgm:pt modelId="{C6FA5EE5-8BB9-4FB8-B823-3D7B5785B280}" type="pres">
       <dgm:prSet presAssocID="{9263F051-A378-4CCD-9286-5C70AE8B32FF}" presName="sp" presStyleCnt="0"/>
@@ -3525,6 +3546,13 @@
     <dgm:pt modelId="{B2BC49CA-1636-4192-9BC9-9150161F291E}" type="pres">
       <dgm:prSet presAssocID="{34CE336F-A68D-46A0-8838-25810B6C9E64}" presName="parentTextArrow" presStyleLbl="node1" presStyleIdx="2" presStyleCnt="3"/>
       <dgm:spPr/>
+      <dgm:t>
+        <a:bodyPr/>
+        <a:lstStyle/>
+        <a:p>
+          <a:endParaRPr lang="zh-CN" altLang="en-US"/>
+        </a:p>
+      </dgm:t>
     </dgm:pt>
   </dgm:ptLst>
   <dgm:cxnLst>
@@ -3761,6 +3789,13 @@
         </dgm:presLayoutVars>
       </dgm:prSet>
       <dgm:spPr/>
+      <dgm:t>
+        <a:bodyPr/>
+        <a:lstStyle/>
+        <a:p>
+          <a:endParaRPr lang="zh-CN" altLang="en-US"/>
+        </a:p>
+      </dgm:t>
     </dgm:pt>
     <dgm:pt modelId="{55B73FFA-A866-47C7-B630-492FC446E147}" type="pres">
       <dgm:prSet presAssocID="{A4D51116-06A0-4848-9128-A2DF1C38B6B9}" presName="node" presStyleLbl="node1" presStyleIdx="0" presStyleCnt="5">
@@ -3769,14 +3804,35 @@
         </dgm:presLayoutVars>
       </dgm:prSet>
       <dgm:spPr/>
+      <dgm:t>
+        <a:bodyPr/>
+        <a:lstStyle/>
+        <a:p>
+          <a:endParaRPr lang="zh-CN" altLang="en-US"/>
+        </a:p>
+      </dgm:t>
     </dgm:pt>
     <dgm:pt modelId="{236D17D0-1F40-4ADD-8847-82894A8D845E}" type="pres">
       <dgm:prSet presAssocID="{7FA62DC9-F268-476B-BCE3-C1E82A336E8A}" presName="sibTrans" presStyleLbl="sibTrans2D1" presStyleIdx="0" presStyleCnt="4"/>
       <dgm:spPr/>
+      <dgm:t>
+        <a:bodyPr/>
+        <a:lstStyle/>
+        <a:p>
+          <a:endParaRPr lang="zh-CN" altLang="en-US"/>
+        </a:p>
+      </dgm:t>
     </dgm:pt>
     <dgm:pt modelId="{3D89FA20-CCA9-4F7C-B336-C9F402B98745}" type="pres">
       <dgm:prSet presAssocID="{7FA62DC9-F268-476B-BCE3-C1E82A336E8A}" presName="connectorText" presStyleLbl="sibTrans2D1" presStyleIdx="0" presStyleCnt="4"/>
       <dgm:spPr/>
+      <dgm:t>
+        <a:bodyPr/>
+        <a:lstStyle/>
+        <a:p>
+          <a:endParaRPr lang="zh-CN" altLang="en-US"/>
+        </a:p>
+      </dgm:t>
     </dgm:pt>
     <dgm:pt modelId="{637858E1-4F09-428F-8CEB-49715D0BE646}" type="pres">
       <dgm:prSet presAssocID="{F2911BBD-3696-40F4-BCBF-89CD1C86A2B1}" presName="node" presStyleLbl="node1" presStyleIdx="1" presStyleCnt="5">
@@ -3785,14 +3841,35 @@
         </dgm:presLayoutVars>
       </dgm:prSet>
       <dgm:spPr/>
+      <dgm:t>
+        <a:bodyPr/>
+        <a:lstStyle/>
+        <a:p>
+          <a:endParaRPr lang="zh-CN" altLang="en-US"/>
+        </a:p>
+      </dgm:t>
     </dgm:pt>
     <dgm:pt modelId="{6D9267E7-BE02-4698-AD2D-ABBEB4D0AB24}" type="pres">
       <dgm:prSet presAssocID="{AA7CC5D2-4EA5-4F52-BB3F-CC1B12631196}" presName="sibTrans" presStyleLbl="sibTrans2D1" presStyleIdx="1" presStyleCnt="4"/>
       <dgm:spPr/>
+      <dgm:t>
+        <a:bodyPr/>
+        <a:lstStyle/>
+        <a:p>
+          <a:endParaRPr lang="zh-CN" altLang="en-US"/>
+        </a:p>
+      </dgm:t>
     </dgm:pt>
     <dgm:pt modelId="{C3A9F9C4-C11C-40CB-9596-C104E966B67C}" type="pres">
       <dgm:prSet presAssocID="{AA7CC5D2-4EA5-4F52-BB3F-CC1B12631196}" presName="connectorText" presStyleLbl="sibTrans2D1" presStyleIdx="1" presStyleCnt="4"/>
       <dgm:spPr/>
+      <dgm:t>
+        <a:bodyPr/>
+        <a:lstStyle/>
+        <a:p>
+          <a:endParaRPr lang="zh-CN" altLang="en-US"/>
+        </a:p>
+      </dgm:t>
     </dgm:pt>
     <dgm:pt modelId="{C2437C8E-BB78-490C-8DDA-2435579B7177}" type="pres">
       <dgm:prSet presAssocID="{736123E9-81A9-426D-ACE1-B27C42FD46F2}" presName="node" presStyleLbl="node1" presStyleIdx="2" presStyleCnt="5">
@@ -3801,14 +3878,35 @@
         </dgm:presLayoutVars>
       </dgm:prSet>
       <dgm:spPr/>
+      <dgm:t>
+        <a:bodyPr/>
+        <a:lstStyle/>
+        <a:p>
+          <a:endParaRPr lang="zh-CN" altLang="en-US"/>
+        </a:p>
+      </dgm:t>
     </dgm:pt>
     <dgm:pt modelId="{5EEC0C93-BA10-450F-AC89-E2948186468C}" type="pres">
       <dgm:prSet presAssocID="{FA390C5F-C56B-416A-90A3-39AFF28402ED}" presName="sibTrans" presStyleLbl="sibTrans2D1" presStyleIdx="2" presStyleCnt="4"/>
       <dgm:spPr/>
+      <dgm:t>
+        <a:bodyPr/>
+        <a:lstStyle/>
+        <a:p>
+          <a:endParaRPr lang="zh-CN" altLang="en-US"/>
+        </a:p>
+      </dgm:t>
     </dgm:pt>
     <dgm:pt modelId="{BDCCA3C5-1B65-449C-9C44-D50CBBFA3F4B}" type="pres">
       <dgm:prSet presAssocID="{FA390C5F-C56B-416A-90A3-39AFF28402ED}" presName="connectorText" presStyleLbl="sibTrans2D1" presStyleIdx="2" presStyleCnt="4"/>
       <dgm:spPr/>
+      <dgm:t>
+        <a:bodyPr/>
+        <a:lstStyle/>
+        <a:p>
+          <a:endParaRPr lang="zh-CN" altLang="en-US"/>
+        </a:p>
+      </dgm:t>
     </dgm:pt>
     <dgm:pt modelId="{19A81D5E-05EE-4169-A439-0186EE3B3F72}" type="pres">
       <dgm:prSet presAssocID="{1A584B8A-955E-4E2F-881D-CD1AFF3936D3}" presName="node" presStyleLbl="node1" presStyleIdx="3" presStyleCnt="5">
@@ -3817,14 +3915,35 @@
         </dgm:presLayoutVars>
       </dgm:prSet>
       <dgm:spPr/>
+      <dgm:t>
+        <a:bodyPr/>
+        <a:lstStyle/>
+        <a:p>
+          <a:endParaRPr lang="zh-CN" altLang="en-US"/>
+        </a:p>
+      </dgm:t>
     </dgm:pt>
     <dgm:pt modelId="{B8A8E9F5-EC2C-476F-9C89-18550C077604}" type="pres">
       <dgm:prSet presAssocID="{4F8E2185-6D6E-436D-AE73-1C7CF12E3A8D}" presName="sibTrans" presStyleLbl="sibTrans2D1" presStyleIdx="3" presStyleCnt="4"/>
       <dgm:spPr/>
+      <dgm:t>
+        <a:bodyPr/>
+        <a:lstStyle/>
+        <a:p>
+          <a:endParaRPr lang="zh-CN" altLang="en-US"/>
+        </a:p>
+      </dgm:t>
     </dgm:pt>
     <dgm:pt modelId="{748AF059-4A99-4996-92CE-BE2001D6BC3E}" type="pres">
       <dgm:prSet presAssocID="{4F8E2185-6D6E-436D-AE73-1C7CF12E3A8D}" presName="connectorText" presStyleLbl="sibTrans2D1" presStyleIdx="3" presStyleCnt="4"/>
       <dgm:spPr/>
+      <dgm:t>
+        <a:bodyPr/>
+        <a:lstStyle/>
+        <a:p>
+          <a:endParaRPr lang="zh-CN" altLang="en-US"/>
+        </a:p>
+      </dgm:t>
     </dgm:pt>
     <dgm:pt modelId="{1B13994D-4FD2-43EF-97D1-42FC7ED046FA}" type="pres">
       <dgm:prSet presAssocID="{E7CCBE30-96BA-4456-BE51-88307E078913}" presName="node" presStyleLbl="node1" presStyleIdx="4" presStyleCnt="5">
@@ -3833,6 +3952,13 @@
         </dgm:presLayoutVars>
       </dgm:prSet>
       <dgm:spPr/>
+      <dgm:t>
+        <a:bodyPr/>
+        <a:lstStyle/>
+        <a:p>
+          <a:endParaRPr lang="zh-CN" altLang="en-US"/>
+        </a:p>
+      </dgm:t>
     </dgm:pt>
   </dgm:ptLst>
   <dgm:cxnLst>
@@ -4044,6 +4170,13 @@
         </dgm:presLayoutVars>
       </dgm:prSet>
       <dgm:spPr/>
+      <dgm:t>
+        <a:bodyPr/>
+        <a:lstStyle/>
+        <a:p>
+          <a:endParaRPr lang="zh-CN" altLang="en-US"/>
+        </a:p>
+      </dgm:t>
     </dgm:pt>
     <dgm:pt modelId="{04D6F249-56BE-48D4-9DEA-D280BD939F8C}" type="pres">
       <dgm:prSet presAssocID="{4F6F447C-690E-4EF3-A9AF-1F1326476D1B}" presName="boxAndChildren" presStyleCnt="0"/>
@@ -4052,6 +4185,13 @@
     <dgm:pt modelId="{5DDF9706-5D05-4F03-9787-8AC46AA59E5B}" type="pres">
       <dgm:prSet presAssocID="{4F6F447C-690E-4EF3-A9AF-1F1326476D1B}" presName="parentTextBox" presStyleLbl="node1" presStyleIdx="0" presStyleCnt="3"/>
       <dgm:spPr/>
+      <dgm:t>
+        <a:bodyPr/>
+        <a:lstStyle/>
+        <a:p>
+          <a:endParaRPr lang="zh-CN" altLang="en-US"/>
+        </a:p>
+      </dgm:t>
     </dgm:pt>
     <dgm:pt modelId="{5A6B1A2A-4C0C-4482-AF20-685C6C0ADDB4}" type="pres">
       <dgm:prSet presAssocID="{2D072DA2-D7B0-4108-8455-CBA1112BCC97}" presName="sp" presStyleCnt="0"/>
@@ -4064,6 +4204,13 @@
     <dgm:pt modelId="{DB6D54CF-E408-4157-AAEF-2228F0736485}" type="pres">
       <dgm:prSet presAssocID="{AC245159-7902-4384-A2EB-F2E8C6AFA4F0}" presName="parentTextArrow" presStyleLbl="node1" presStyleIdx="1" presStyleCnt="3"/>
       <dgm:spPr/>
+      <dgm:t>
+        <a:bodyPr/>
+        <a:lstStyle/>
+        <a:p>
+          <a:endParaRPr lang="zh-CN" altLang="en-US"/>
+        </a:p>
+      </dgm:t>
     </dgm:pt>
     <dgm:pt modelId="{C6FA5EE5-8BB9-4FB8-B823-3D7B5785B280}" type="pres">
       <dgm:prSet presAssocID="{9263F051-A378-4CCD-9286-5C70AE8B32FF}" presName="sp" presStyleCnt="0"/>
@@ -4076,6 +4223,13 @@
     <dgm:pt modelId="{B2BC49CA-1636-4192-9BC9-9150161F291E}" type="pres">
       <dgm:prSet presAssocID="{34CE336F-A68D-46A0-8838-25810B6C9E64}" presName="parentTextArrow" presStyleLbl="node1" presStyleIdx="2" presStyleCnt="3"/>
       <dgm:spPr/>
+      <dgm:t>
+        <a:bodyPr/>
+        <a:lstStyle/>
+        <a:p>
+          <a:endParaRPr lang="zh-CN" altLang="en-US"/>
+        </a:p>
+      </dgm:t>
     </dgm:pt>
   </dgm:ptLst>
   <dgm:cxnLst>
@@ -4274,6 +4428,13 @@
         </dgm:presLayoutVars>
       </dgm:prSet>
       <dgm:spPr/>
+      <dgm:t>
+        <a:bodyPr/>
+        <a:lstStyle/>
+        <a:p>
+          <a:endParaRPr lang="zh-CN" altLang="en-US"/>
+        </a:p>
+      </dgm:t>
     </dgm:pt>
     <dgm:pt modelId="{04D6F249-56BE-48D4-9DEA-D280BD939F8C}" type="pres">
       <dgm:prSet presAssocID="{4F6F447C-690E-4EF3-A9AF-1F1326476D1B}" presName="boxAndChildren" presStyleCnt="0"/>
@@ -4282,6 +4443,13 @@
     <dgm:pt modelId="{5DDF9706-5D05-4F03-9787-8AC46AA59E5B}" type="pres">
       <dgm:prSet presAssocID="{4F6F447C-690E-4EF3-A9AF-1F1326476D1B}" presName="parentTextBox" presStyleLbl="node1" presStyleIdx="0" presStyleCnt="3"/>
       <dgm:spPr/>
+      <dgm:t>
+        <a:bodyPr/>
+        <a:lstStyle/>
+        <a:p>
+          <a:endParaRPr lang="zh-CN" altLang="en-US"/>
+        </a:p>
+      </dgm:t>
     </dgm:pt>
     <dgm:pt modelId="{5A6B1A2A-4C0C-4482-AF20-685C6C0ADDB4}" type="pres">
       <dgm:prSet presAssocID="{2D072DA2-D7B0-4108-8455-CBA1112BCC97}" presName="sp" presStyleCnt="0"/>
@@ -4294,6 +4462,13 @@
     <dgm:pt modelId="{DB6D54CF-E408-4157-AAEF-2228F0736485}" type="pres">
       <dgm:prSet presAssocID="{AC245159-7902-4384-A2EB-F2E8C6AFA4F0}" presName="parentTextArrow" presStyleLbl="node1" presStyleIdx="1" presStyleCnt="3"/>
       <dgm:spPr/>
+      <dgm:t>
+        <a:bodyPr/>
+        <a:lstStyle/>
+        <a:p>
+          <a:endParaRPr lang="zh-CN" altLang="en-US"/>
+        </a:p>
+      </dgm:t>
     </dgm:pt>
     <dgm:pt modelId="{C6FA5EE5-8BB9-4FB8-B823-3D7B5785B280}" type="pres">
       <dgm:prSet presAssocID="{9263F051-A378-4CCD-9286-5C70AE8B32FF}" presName="sp" presStyleCnt="0"/>
@@ -4306,6 +4481,13 @@
     <dgm:pt modelId="{B2BC49CA-1636-4192-9BC9-9150161F291E}" type="pres">
       <dgm:prSet presAssocID="{34CE336F-A68D-46A0-8838-25810B6C9E64}" presName="parentTextArrow" presStyleLbl="node1" presStyleIdx="2" presStyleCnt="3"/>
       <dgm:spPr/>
+      <dgm:t>
+        <a:bodyPr/>
+        <a:lstStyle/>
+        <a:p>
+          <a:endParaRPr lang="zh-CN" altLang="en-US"/>
+        </a:p>
+      </dgm:t>
     </dgm:pt>
   </dgm:ptLst>
   <dgm:cxnLst>
@@ -4392,7 +4574,7 @@
         </a:bodyPr>
         <a:lstStyle/>
         <a:p>
-          <a:pPr marL="0" lvl="0" indent="0" algn="ctr" defTabSz="1066800">
+          <a:pPr lvl="0" algn="ctr" defTabSz="1066800">
             <a:lnSpc>
               <a:spcPct val="90000"/>
             </a:lnSpc>
@@ -4402,7 +4584,6 @@
             <a:spcAft>
               <a:spcPct val="35000"/>
             </a:spcAft>
-            <a:buNone/>
           </a:pPr>
           <a:r>
             <a:rPr lang="en-US" altLang="zh-CN" sz="2400" kern="1200" dirty="0"/>
@@ -4468,7 +4649,7 @@
         </a:bodyPr>
         <a:lstStyle/>
         <a:p>
-          <a:pPr marL="0" lvl="0" indent="0" algn="ctr" defTabSz="1066800">
+          <a:pPr lvl="0" algn="ctr" defTabSz="1066800">
             <a:lnSpc>
               <a:spcPct val="90000"/>
             </a:lnSpc>
@@ -4478,7 +4659,6 @@
             <a:spcAft>
               <a:spcPct val="35000"/>
             </a:spcAft>
-            <a:buNone/>
           </a:pPr>
           <a:r>
             <a:rPr lang="en-US" altLang="zh-CN" sz="2400" kern="1200" dirty="0"/>
@@ -4549,7 +4729,7 @@
         </a:bodyPr>
         <a:lstStyle/>
         <a:p>
-          <a:pPr marL="0" lvl="0" indent="0" algn="ctr" defTabSz="1066800">
+          <a:pPr lvl="0" algn="ctr" defTabSz="1066800">
             <a:lnSpc>
               <a:spcPct val="90000"/>
             </a:lnSpc>
@@ -4559,7 +4739,6 @@
             <a:spcAft>
               <a:spcPct val="35000"/>
             </a:spcAft>
-            <a:buNone/>
           </a:pPr>
           <a:r>
             <a:rPr lang="zh-CN" altLang="en-US" sz="2400" kern="1200" dirty="0"/>
@@ -4640,7 +4819,7 @@
         </a:bodyPr>
         <a:lstStyle/>
         <a:p>
-          <a:pPr marL="0" lvl="0" indent="0" algn="ctr" defTabSz="889000">
+          <a:pPr lvl="0" algn="ctr" defTabSz="889000">
             <a:lnSpc>
               <a:spcPct val="90000"/>
             </a:lnSpc>
@@ -4650,7 +4829,6 @@
             <a:spcAft>
               <a:spcPct val="35000"/>
             </a:spcAft>
-            <a:buNone/>
           </a:pPr>
           <a:r>
             <a:rPr lang="en-US" altLang="zh-CN" sz="2000" kern="1200" dirty="0"/>
@@ -4714,7 +4892,7 @@
         </a:bodyPr>
         <a:lstStyle/>
         <a:p>
-          <a:pPr marL="0" lvl="0" indent="0" algn="ctr" defTabSz="889000">
+          <a:pPr lvl="0" algn="ctr" defTabSz="889000">
             <a:lnSpc>
               <a:spcPct val="90000"/>
             </a:lnSpc>
@@ -4724,7 +4902,6 @@
             <a:spcAft>
               <a:spcPct val="35000"/>
             </a:spcAft>
-            <a:buNone/>
           </a:pPr>
           <a:endParaRPr lang="zh-CN" altLang="en-US" sz="2000" kern="1200" dirty="0"/>
         </a:p>
@@ -4790,7 +4967,7 @@
         </a:bodyPr>
         <a:lstStyle/>
         <a:p>
-          <a:pPr marL="0" lvl="0" indent="0" algn="ctr" defTabSz="889000">
+          <a:pPr lvl="0" algn="ctr" defTabSz="889000">
             <a:lnSpc>
               <a:spcPct val="90000"/>
             </a:lnSpc>
@@ -4800,7 +4977,6 @@
             <a:spcAft>
               <a:spcPct val="35000"/>
             </a:spcAft>
-            <a:buNone/>
           </a:pPr>
           <a:r>
             <a:rPr lang="en-US" altLang="zh-CN" sz="2000" kern="1200" dirty="0" err="1"/>
@@ -4864,7 +5040,7 @@
         </a:bodyPr>
         <a:lstStyle/>
         <a:p>
-          <a:pPr marL="0" lvl="0" indent="0" algn="ctr" defTabSz="889000">
+          <a:pPr lvl="0" algn="ctr" defTabSz="889000">
             <a:lnSpc>
               <a:spcPct val="90000"/>
             </a:lnSpc>
@@ -4874,7 +5050,6 @@
             <a:spcAft>
               <a:spcPct val="35000"/>
             </a:spcAft>
-            <a:buNone/>
           </a:pPr>
           <a:endParaRPr lang="zh-CN" altLang="en-US" sz="2000" kern="1200"/>
         </a:p>
@@ -4940,7 +5115,7 @@
         </a:bodyPr>
         <a:lstStyle/>
         <a:p>
-          <a:pPr marL="0" lvl="0" indent="0" algn="ctr" defTabSz="889000">
+          <a:pPr lvl="0" algn="ctr" defTabSz="889000">
             <a:lnSpc>
               <a:spcPct val="90000"/>
             </a:lnSpc>
@@ -4950,7 +5125,6 @@
             <a:spcAft>
               <a:spcPct val="35000"/>
             </a:spcAft>
-            <a:buNone/>
           </a:pPr>
           <a:r>
             <a:rPr lang="en-US" altLang="zh-CN" sz="2000" kern="1200" dirty="0" err="1"/>
@@ -5014,7 +5188,7 @@
         </a:bodyPr>
         <a:lstStyle/>
         <a:p>
-          <a:pPr marL="0" lvl="0" indent="0" algn="ctr" defTabSz="889000">
+          <a:pPr lvl="0" algn="ctr" defTabSz="889000">
             <a:lnSpc>
               <a:spcPct val="90000"/>
             </a:lnSpc>
@@ -5024,7 +5198,6 @@
             <a:spcAft>
               <a:spcPct val="35000"/>
             </a:spcAft>
-            <a:buNone/>
           </a:pPr>
           <a:endParaRPr lang="zh-CN" altLang="en-US" sz="2000" kern="1200"/>
         </a:p>
@@ -5090,7 +5263,7 @@
         </a:bodyPr>
         <a:lstStyle/>
         <a:p>
-          <a:pPr marL="0" lvl="0" indent="0" algn="ctr" defTabSz="889000">
+          <a:pPr lvl="0" algn="ctr" defTabSz="889000">
             <a:lnSpc>
               <a:spcPct val="90000"/>
             </a:lnSpc>
@@ -5100,7 +5273,6 @@
             <a:spcAft>
               <a:spcPct val="35000"/>
             </a:spcAft>
-            <a:buNone/>
           </a:pPr>
           <a:r>
             <a:rPr lang="en-US" altLang="zh-CN" sz="2000" kern="1200" dirty="0" err="1"/>
@@ -5164,7 +5336,7 @@
         </a:bodyPr>
         <a:lstStyle/>
         <a:p>
-          <a:pPr marL="0" lvl="0" indent="0" algn="ctr" defTabSz="889000">
+          <a:pPr lvl="0" algn="ctr" defTabSz="889000">
             <a:lnSpc>
               <a:spcPct val="90000"/>
             </a:lnSpc>
@@ -5174,7 +5346,6 @@
             <a:spcAft>
               <a:spcPct val="35000"/>
             </a:spcAft>
-            <a:buNone/>
           </a:pPr>
           <a:endParaRPr lang="zh-CN" altLang="en-US" sz="2000" kern="1200"/>
         </a:p>
@@ -5240,7 +5411,7 @@
         </a:bodyPr>
         <a:lstStyle/>
         <a:p>
-          <a:pPr marL="0" lvl="0" indent="0" algn="ctr" defTabSz="889000">
+          <a:pPr lvl="0" algn="ctr" defTabSz="889000">
             <a:lnSpc>
               <a:spcPct val="90000"/>
             </a:lnSpc>
@@ -5250,7 +5421,6 @@
             <a:spcAft>
               <a:spcPct val="35000"/>
             </a:spcAft>
-            <a:buNone/>
           </a:pPr>
           <a:r>
             <a:rPr lang="en-US" altLang="zh-CN" sz="2000" kern="1200" dirty="0"/>
@@ -5325,7 +5495,7 @@
         </a:bodyPr>
         <a:lstStyle/>
         <a:p>
-          <a:pPr marL="0" lvl="0" indent="0" algn="ctr" defTabSz="1066800">
+          <a:pPr lvl="0" algn="ctr" defTabSz="1066800">
             <a:lnSpc>
               <a:spcPct val="90000"/>
             </a:lnSpc>
@@ -5335,7 +5505,6 @@
             <a:spcAft>
               <a:spcPct val="35000"/>
             </a:spcAft>
-            <a:buNone/>
           </a:pPr>
           <a:r>
             <a:rPr lang="en-US" altLang="zh-CN" sz="2400" kern="1200" dirty="0"/>
@@ -5401,7 +5570,7 @@
         </a:bodyPr>
         <a:lstStyle/>
         <a:p>
-          <a:pPr marL="0" lvl="0" indent="0" algn="ctr" defTabSz="1066800">
+          <a:pPr lvl="0" algn="ctr" defTabSz="1066800">
             <a:lnSpc>
               <a:spcPct val="90000"/>
             </a:lnSpc>
@@ -5411,7 +5580,6 @@
             <a:spcAft>
               <a:spcPct val="35000"/>
             </a:spcAft>
-            <a:buNone/>
           </a:pPr>
           <a:r>
             <a:rPr lang="en-US" altLang="zh-CN" sz="2400" kern="1200" dirty="0"/>
@@ -5482,7 +5650,7 @@
         </a:bodyPr>
         <a:lstStyle/>
         <a:p>
-          <a:pPr marL="0" lvl="0" indent="0" algn="ctr" defTabSz="1066800">
+          <a:pPr lvl="0" algn="ctr" defTabSz="1066800">
             <a:lnSpc>
               <a:spcPct val="90000"/>
             </a:lnSpc>
@@ -5492,7 +5660,6 @@
             <a:spcAft>
               <a:spcPct val="35000"/>
             </a:spcAft>
-            <a:buNone/>
           </a:pPr>
           <a:r>
             <a:rPr lang="zh-CN" altLang="en-US" sz="2400" kern="1200" dirty="0"/>
@@ -5566,7 +5733,7 @@
         </a:bodyPr>
         <a:lstStyle/>
         <a:p>
-          <a:pPr marL="0" lvl="0" indent="0" algn="ctr" defTabSz="1066800">
+          <a:pPr lvl="0" algn="ctr" defTabSz="1066800">
             <a:lnSpc>
               <a:spcPct val="90000"/>
             </a:lnSpc>
@@ -5576,7 +5743,6 @@
             <a:spcAft>
               <a:spcPct val="35000"/>
             </a:spcAft>
-            <a:buNone/>
           </a:pPr>
           <a:r>
             <a:rPr lang="en-US" altLang="zh-CN" sz="2400" kern="1200" dirty="0"/>
@@ -5642,7 +5808,7 @@
         </a:bodyPr>
         <a:lstStyle/>
         <a:p>
-          <a:pPr marL="0" lvl="0" indent="0" algn="ctr" defTabSz="1066800">
+          <a:pPr lvl="0" algn="ctr" defTabSz="1066800">
             <a:lnSpc>
               <a:spcPct val="90000"/>
             </a:lnSpc>
@@ -5652,7 +5818,6 @@
             <a:spcAft>
               <a:spcPct val="35000"/>
             </a:spcAft>
-            <a:buNone/>
           </a:pPr>
           <a:r>
             <a:rPr lang="en-US" altLang="zh-CN" sz="2400" kern="1200" dirty="0"/>
@@ -5723,7 +5888,7 @@
         </a:bodyPr>
         <a:lstStyle/>
         <a:p>
-          <a:pPr marL="0" lvl="0" indent="0" algn="ctr" defTabSz="1066800">
+          <a:pPr lvl="0" algn="ctr" defTabSz="1066800">
             <a:lnSpc>
               <a:spcPct val="90000"/>
             </a:lnSpc>
@@ -5733,7 +5898,6 @@
             <a:spcAft>
               <a:spcPct val="35000"/>
             </a:spcAft>
-            <a:buNone/>
           </a:pPr>
           <a:r>
             <a:rPr lang="en-US" altLang="zh-CN" sz="2400" kern="1200" dirty="0"/>
@@ -11251,7 +11415,7 @@
           <a:p>
             <a:fld id="{9B2CF5ED-4898-46B9-A7E4-A44C943E9041}" type="datetimeFigureOut">
               <a:rPr lang="zh-CN" altLang="en-US" smtClean="0"/>
-              <a:t>2016/9/13</a:t>
+              <a:t>2020-03-14</a:t>
             </a:fld>
             <a:endParaRPr lang="zh-CN" altLang="en-US"/>
           </a:p>
@@ -11454,7 +11618,7 @@
           <a:p>
             <a:fld id="{9B2CF5ED-4898-46B9-A7E4-A44C943E9041}" type="datetimeFigureOut">
               <a:rPr lang="zh-CN" altLang="en-US" smtClean="0"/>
-              <a:t>2016/9/13</a:t>
+              <a:t>2020-03-14</a:t>
             </a:fld>
             <a:endParaRPr lang="zh-CN" altLang="en-US"/>
           </a:p>
@@ -11960,7 +12124,7 @@
           <a:p>
             <a:fld id="{9B2CF5ED-4898-46B9-A7E4-A44C943E9041}" type="datetimeFigureOut">
               <a:rPr lang="zh-CN" altLang="en-US" smtClean="0"/>
-              <a:t>2016/9/13</a:t>
+              <a:t>2020-03-14</a:t>
             </a:fld>
             <a:endParaRPr lang="zh-CN" altLang="en-US"/>
           </a:p>
@@ -12278,7 +12442,7 @@
           <a:p>
             <a:fld id="{9B2CF5ED-4898-46B9-A7E4-A44C943E9041}" type="datetimeFigureOut">
               <a:rPr lang="zh-CN" altLang="en-US" smtClean="0"/>
-              <a:t>2016/9/13</a:t>
+              <a:t>2020-03-14</a:t>
             </a:fld>
             <a:endParaRPr lang="zh-CN" altLang="en-US"/>
           </a:p>
@@ -12736,7 +12900,7 @@
           <a:p>
             <a:fld id="{9B2CF5ED-4898-46B9-A7E4-A44C943E9041}" type="datetimeFigureOut">
               <a:rPr lang="zh-CN" altLang="en-US" smtClean="0"/>
-              <a:t>2016/9/13</a:t>
+              <a:t>2020-03-14</a:t>
             </a:fld>
             <a:endParaRPr lang="zh-CN" altLang="en-US"/>
           </a:p>
@@ -12880,7 +13044,7 @@
           <a:p>
             <a:fld id="{9B2CF5ED-4898-46B9-A7E4-A44C943E9041}" type="datetimeFigureOut">
               <a:rPr lang="zh-CN" altLang="en-US" smtClean="0"/>
-              <a:t>2016/9/13</a:t>
+              <a:t>2020-03-14</a:t>
             </a:fld>
             <a:endParaRPr lang="zh-CN" altLang="en-US"/>
           </a:p>
@@ -12994,7 +13158,7 @@
           <a:p>
             <a:fld id="{9B2CF5ED-4898-46B9-A7E4-A44C943E9041}" type="datetimeFigureOut">
               <a:rPr lang="zh-CN" altLang="en-US" smtClean="0"/>
-              <a:t>2016/9/13</a:t>
+              <a:t>2020-03-14</a:t>
             </a:fld>
             <a:endParaRPr lang="zh-CN" altLang="en-US"/>
           </a:p>
@@ -13297,7 +13461,7 @@
           <a:p>
             <a:fld id="{9B2CF5ED-4898-46B9-A7E4-A44C943E9041}" type="datetimeFigureOut">
               <a:rPr lang="zh-CN" altLang="en-US" smtClean="0"/>
-              <a:t>2016/9/13</a:t>
+              <a:t>2020-03-14</a:t>
             </a:fld>
             <a:endParaRPr lang="zh-CN" altLang="en-US"/>
           </a:p>
@@ -13577,7 +13741,7 @@
           <a:p>
             <a:fld id="{9B2CF5ED-4898-46B9-A7E4-A44C943E9041}" type="datetimeFigureOut">
               <a:rPr lang="zh-CN" altLang="en-US" smtClean="0"/>
-              <a:t>2016/9/13</a:t>
+              <a:t>2020-03-14</a:t>
             </a:fld>
             <a:endParaRPr lang="zh-CN" altLang="en-US"/>
           </a:p>
@@ -23711,7 +23875,7 @@
               <a:t>— </a:t>
             </a:r>
             <a:r>
-              <a:rPr lang="zh-CN" altLang="en-US" sz="2400" b="1">
+              <a:rPr lang="zh-CN" altLang="en-US" sz="2400" b="1" dirty="0">
                 <a:solidFill>
                   <a:srgbClr val="FFFFFF"/>
                 </a:solidFill>
@@ -23720,13 +23884,6 @@
               </a:rPr>
               <a:t>自定义命令</a:t>
             </a:r>
-            <a:endParaRPr lang="zh-CN" altLang="en-US" sz="2400" b="1" dirty="0">
-              <a:solidFill>
-                <a:srgbClr val="FFFFFF"/>
-              </a:solidFill>
-              <a:latin typeface="微软雅黑" pitchFamily="34" charset="-122"/>
-              <a:ea typeface="微软雅黑" pitchFamily="34" charset="-122"/>
-            </a:endParaRPr>
           </a:p>
         </p:txBody>
       </p:sp>
@@ -24803,7 +24960,11 @@
             <a:graphicFrameLocks noChangeAspect="1"/>
           </p:cNvGraphicFramePr>
           <p:nvPr>
-            <p:extLst/>
+            <p:extLst>
+              <p:ext uri="{D42A27DB-BD31-4B8C-83A1-F6EECF244321}">
+                <p14:modId xmlns:p14="http://schemas.microsoft.com/office/powerpoint/2010/main" val="3149565613"/>
+              </p:ext>
+            </p:extLst>
           </p:nvPr>
         </p:nvGraphicFramePr>
         <p:xfrm>
@@ -24814,7 +24975,7 @@
           <a:graphicData uri="http://schemas.openxmlformats.org/presentationml/2006/ole">
             <mc:AlternateContent xmlns:mc="http://schemas.openxmlformats.org/markup-compatibility/2006">
               <mc:Choice xmlns:v="urn:schemas-microsoft-com:vml" Requires="v">
-                <p:oleObj spid="_x0000_s2061" name="包装程序外壳对象" showAsIcon="1" r:id="rId3" imgW="740880" imgH="453960" progId="Package">
+                <p:oleObj spid="_x0000_s2064" name="包装程序外壳对象" showAsIcon="1" r:id="rId3" imgW="740880" imgH="453960" progId="Package">
                   <p:embed/>
                 </p:oleObj>
               </mc:Choice>
@@ -25002,7 +25163,7 @@
           <a:graphicData uri="http://schemas.openxmlformats.org/presentationml/2006/ole">
             <mc:AlternateContent xmlns:mc="http://schemas.openxmlformats.org/markup-compatibility/2006">
               <mc:Choice xmlns:v="urn:schemas-microsoft-com:vml" Requires="v">
-                <p:oleObj spid="_x0000_s3076" name="包装程序外壳对象" showAsIcon="1" r:id="rId3" imgW="504720" imgH="453960" progId="Package">
+                <p:oleObj spid="_x0000_s3079" name="包装程序外壳对象" showAsIcon="1" r:id="rId3" imgW="504720" imgH="453960" progId="Package">
                   <p:embed/>
                 </p:oleObj>
               </mc:Choice>
@@ -25291,16 +25452,10 @@
           <a:lstStyle/>
           <a:p>
             <a:r>
-              <a:rPr lang="af-ZA" altLang="zh-CN" sz="2400" dirty="0">
+              <a:rPr lang="af-ZA" altLang="zh-CN" sz="2400" dirty="0" smtClean="0">
                 <a:hlinkClick r:id="rId2"/>
               </a:rPr>
-              <a:t>http://</a:t>
-            </a:r>
-            <a:r>
-              <a:rPr lang="af-ZA" altLang="zh-CN" sz="2400">
-                <a:hlinkClick r:id="rId2"/>
-              </a:rPr>
-              <a:t>www.gnu.org/software/gdb/</a:t>
+              <a:t>http://www.gnu.org/software/gdb/</a:t>
             </a:r>
             <a:endParaRPr lang="af-ZA" altLang="zh-CN" sz="2400" dirty="0">
               <a:hlinkClick r:id="rId2"/>
@@ -26849,7 +27004,7 @@
   <a:extraClrSchemeLst/>
   <a:extLst>
     <a:ext uri="{05A4C25C-085E-4340-85A3-A5531E510DB2}">
-      <thm15:themeFamily xmlns:thm15="http://schemas.microsoft.com/office/thememl/2012/main" name="Office Theme" id="{62F939B6-93AF-4DB8-9C6B-D6C7DFDC589F}" vid="{4A3C46E8-61CC-4603-A589-7422A47A8E4A}"/>
+      <thm15:themeFamily xmlns:thm15="http://schemas.microsoft.com/office/thememl/2012/main" xmlns="" name="Office Theme" id="{62F939B6-93AF-4DB8-9C6B-D6C7DFDC589F}" vid="{4A3C46E8-61CC-4603-A589-7422A47A8E4A}"/>
     </a:ext>
   </a:extLst>
 </a:theme>
